--- a/Temario/UD04-Defensa del proyecto - Detalles.pptx
+++ b/Temario/UD04-Defensa del proyecto - Detalles.pptx
@@ -271,7 +271,7 @@
               <a:pPr>
                 <a:defRPr/>
               </a:pPr>
-              <a:t>14/02/2023</a:t>
+              <a:t>23/09/2024</a:t>
             </a:fld>
             <a:endParaRPr lang="es-ES"/>
           </a:p>
@@ -338,38 +338,37 @@
           <a:p>
             <a:pPr lvl="0"/>
             <a:r>
-              <a:rPr lang="es-ES" noProof="0" smtClean="0"/>
+              <a:rPr lang="es-ES" noProof="0"/>
               <a:t>Haga clic para modificar el estilo de texto del patrón</a:t>
             </a:r>
           </a:p>
           <a:p>
             <a:pPr lvl="1"/>
             <a:r>
-              <a:rPr lang="es-ES" noProof="0" smtClean="0"/>
+              <a:rPr lang="es-ES" noProof="0"/>
               <a:t>Segundo nivel</a:t>
             </a:r>
           </a:p>
           <a:p>
             <a:pPr lvl="2"/>
             <a:r>
-              <a:rPr lang="es-ES" noProof="0" smtClean="0"/>
+              <a:rPr lang="es-ES" noProof="0"/>
               <a:t>Tercer nivel</a:t>
             </a:r>
           </a:p>
           <a:p>
             <a:pPr lvl="3"/>
             <a:r>
-              <a:rPr lang="es-ES" noProof="0" smtClean="0"/>
+              <a:rPr lang="es-ES" noProof="0"/>
               <a:t>Cuarto nivel</a:t>
             </a:r>
           </a:p>
           <a:p>
             <a:pPr lvl="4"/>
             <a:r>
-              <a:rPr lang="es-ES" noProof="0" smtClean="0"/>
+              <a:rPr lang="es-ES" noProof="0"/>
               <a:t>Quinto nivel</a:t>
             </a:r>
-            <a:endParaRPr lang="es-ES" noProof="0"/>
           </a:p>
         </p:txBody>
       </p:sp>
@@ -1124,7 +1123,7 @@
           </a:lstStyle>
           <a:p>
             <a:r>
-              <a:rPr lang="es-ES" smtClean="0"/>
+              <a:rPr lang="es-ES"/>
               <a:t>Haga clic para modificar el estilo de título del patrón</a:t>
             </a:r>
             <a:endParaRPr lang="en-US"/>
@@ -1186,7 +1185,7 @@
           </a:lstStyle>
           <a:p>
             <a:r>
-              <a:rPr lang="es-ES" smtClean="0"/>
+              <a:rPr lang="es-ES"/>
               <a:t>Haga clic para modificar el estilo de subtítulo del patrón</a:t>
             </a:r>
             <a:endParaRPr lang="en-US"/>
@@ -1225,7 +1224,7 @@
               <a:pPr>
                 <a:defRPr/>
               </a:pPr>
-              <a:t>14/02/2023</a:t>
+              <a:t>23/09/2024</a:t>
             </a:fld>
             <a:endParaRPr lang="es-ES"/>
           </a:p>
@@ -1343,7 +1342,7 @@
           <a:lstStyle/>
           <a:p>
             <a:r>
-              <a:rPr lang="es-ES" smtClean="0"/>
+              <a:rPr lang="es-ES"/>
               <a:t>Haga clic para modificar el estilo de título del patrón</a:t>
             </a:r>
             <a:endParaRPr lang="en-US"/>
@@ -1372,35 +1371,35 @@
           <a:p>
             <a:pPr lvl="0"/>
             <a:r>
-              <a:rPr lang="es-ES" smtClean="0"/>
+              <a:rPr lang="es-ES"/>
               <a:t>Haga clic para modificar el estilo de texto del patrón</a:t>
             </a:r>
           </a:p>
           <a:p>
             <a:pPr lvl="1"/>
             <a:r>
-              <a:rPr lang="es-ES" smtClean="0"/>
+              <a:rPr lang="es-ES"/>
               <a:t>Segundo nivel</a:t>
             </a:r>
           </a:p>
           <a:p>
             <a:pPr lvl="2"/>
             <a:r>
-              <a:rPr lang="es-ES" smtClean="0"/>
+              <a:rPr lang="es-ES"/>
               <a:t>Tercer nivel</a:t>
             </a:r>
           </a:p>
           <a:p>
             <a:pPr lvl="3"/>
             <a:r>
-              <a:rPr lang="es-ES" smtClean="0"/>
+              <a:rPr lang="es-ES"/>
               <a:t>Cuarto nivel</a:t>
             </a:r>
           </a:p>
           <a:p>
             <a:pPr lvl="4"/>
             <a:r>
-              <a:rPr lang="es-ES" smtClean="0"/>
+              <a:rPr lang="es-ES"/>
               <a:t>Quinto nivel</a:t>
             </a:r>
             <a:endParaRPr lang="en-US"/>
@@ -1546,7 +1545,7 @@
           <a:lstStyle/>
           <a:p>
             <a:r>
-              <a:rPr lang="es-ES" smtClean="0"/>
+              <a:rPr lang="es-ES"/>
               <a:t>Haga clic para modificar el estilo de título del patrón</a:t>
             </a:r>
             <a:endParaRPr lang="en-US"/>
@@ -1575,35 +1574,35 @@
           <a:p>
             <a:pPr lvl="0"/>
             <a:r>
-              <a:rPr lang="es-ES" smtClean="0"/>
+              <a:rPr lang="es-ES"/>
               <a:t>Haga clic para modificar el estilo de texto del patrón</a:t>
             </a:r>
           </a:p>
           <a:p>
             <a:pPr lvl="1"/>
             <a:r>
-              <a:rPr lang="es-ES" smtClean="0"/>
+              <a:rPr lang="es-ES"/>
               <a:t>Segundo nivel</a:t>
             </a:r>
           </a:p>
           <a:p>
             <a:pPr lvl="2"/>
             <a:r>
-              <a:rPr lang="es-ES" smtClean="0"/>
+              <a:rPr lang="es-ES"/>
               <a:t>Tercer nivel</a:t>
             </a:r>
           </a:p>
           <a:p>
             <a:pPr lvl="3"/>
             <a:r>
-              <a:rPr lang="es-ES" smtClean="0"/>
+              <a:rPr lang="es-ES"/>
               <a:t>Cuarto nivel</a:t>
             </a:r>
           </a:p>
           <a:p>
             <a:pPr lvl="4"/>
             <a:r>
-              <a:rPr lang="es-ES" smtClean="0"/>
+              <a:rPr lang="es-ES"/>
               <a:t>Quinto nivel</a:t>
             </a:r>
             <a:endParaRPr lang="en-US"/>
@@ -1745,35 +1744,35 @@
           <a:p>
             <a:pPr lvl="0"/>
             <a:r>
-              <a:rPr lang="es-ES" smtClean="0"/>
+              <a:rPr lang="es-ES"/>
               <a:t>Haga clic para modificar el estilo de texto del patrón</a:t>
             </a:r>
           </a:p>
           <a:p>
             <a:pPr lvl="1"/>
             <a:r>
-              <a:rPr lang="es-ES" smtClean="0"/>
+              <a:rPr lang="es-ES"/>
               <a:t>Segundo nivel</a:t>
             </a:r>
           </a:p>
           <a:p>
             <a:pPr lvl="2"/>
             <a:r>
-              <a:rPr lang="es-ES" smtClean="0"/>
+              <a:rPr lang="es-ES"/>
               <a:t>Tercer nivel</a:t>
             </a:r>
           </a:p>
           <a:p>
             <a:pPr lvl="3"/>
             <a:r>
-              <a:rPr lang="es-ES" smtClean="0"/>
+              <a:rPr lang="es-ES"/>
               <a:t>Cuarto nivel</a:t>
             </a:r>
           </a:p>
           <a:p>
             <a:pPr lvl="4"/>
             <a:r>
-              <a:rPr lang="es-ES" smtClean="0"/>
+              <a:rPr lang="es-ES"/>
               <a:t>Quinto nivel</a:t>
             </a:r>
             <a:endParaRPr lang="en-US"/>
@@ -1796,7 +1795,7 @@
           <a:lstStyle/>
           <a:p>
             <a:r>
-              <a:rPr lang="es-ES" smtClean="0"/>
+              <a:rPr lang="es-ES"/>
               <a:t>Haga clic para modificar el estilo de título del patrón</a:t>
             </a:r>
             <a:endParaRPr lang="en-US"/>
@@ -2121,7 +2120,7 @@
           </a:lstStyle>
           <a:p>
             <a:r>
-              <a:rPr lang="es-ES" smtClean="0"/>
+              <a:rPr lang="es-ES"/>
               <a:t>Haga clic para modificar el estilo de título del patrón</a:t>
             </a:r>
             <a:endParaRPr lang="en-US"/>
@@ -2200,7 +2199,7 @@
           <a:p>
             <a:pPr lvl="0"/>
             <a:r>
-              <a:rPr lang="es-ES" smtClean="0"/>
+              <a:rPr lang="es-ES"/>
               <a:t>Haga clic para modificar el estilo de texto del patrón</a:t>
             </a:r>
           </a:p>
@@ -2371,35 +2370,35 @@
           <a:p>
             <a:pPr lvl="0"/>
             <a:r>
-              <a:rPr lang="es-ES" smtClean="0"/>
+              <a:rPr lang="es-ES"/>
               <a:t>Haga clic para modificar el estilo de texto del patrón</a:t>
             </a:r>
           </a:p>
           <a:p>
             <a:pPr lvl="1"/>
             <a:r>
-              <a:rPr lang="es-ES" smtClean="0"/>
+              <a:rPr lang="es-ES"/>
               <a:t>Segundo nivel</a:t>
             </a:r>
           </a:p>
           <a:p>
             <a:pPr lvl="2"/>
             <a:r>
-              <a:rPr lang="es-ES" smtClean="0"/>
+              <a:rPr lang="es-ES"/>
               <a:t>Tercer nivel</a:t>
             </a:r>
           </a:p>
           <a:p>
             <a:pPr lvl="3"/>
             <a:r>
-              <a:rPr lang="es-ES" smtClean="0"/>
+              <a:rPr lang="es-ES"/>
               <a:t>Cuarto nivel</a:t>
             </a:r>
           </a:p>
           <a:p>
             <a:pPr lvl="4"/>
             <a:r>
-              <a:rPr lang="es-ES" smtClean="0"/>
+              <a:rPr lang="es-ES"/>
               <a:t>Quinto nivel</a:t>
             </a:r>
             <a:endParaRPr lang="en-US"/>
@@ -2445,35 +2444,35 @@
           <a:p>
             <a:pPr lvl="0"/>
             <a:r>
-              <a:rPr lang="es-ES" smtClean="0"/>
+              <a:rPr lang="es-ES"/>
               <a:t>Haga clic para modificar el estilo de texto del patrón</a:t>
             </a:r>
           </a:p>
           <a:p>
             <a:pPr lvl="1"/>
             <a:r>
-              <a:rPr lang="es-ES" smtClean="0"/>
+              <a:rPr lang="es-ES"/>
               <a:t>Segundo nivel</a:t>
             </a:r>
           </a:p>
           <a:p>
             <a:pPr lvl="2"/>
             <a:r>
-              <a:rPr lang="es-ES" smtClean="0"/>
+              <a:rPr lang="es-ES"/>
               <a:t>Tercer nivel</a:t>
             </a:r>
           </a:p>
           <a:p>
             <a:pPr lvl="3"/>
             <a:r>
-              <a:rPr lang="es-ES" smtClean="0"/>
+              <a:rPr lang="es-ES"/>
               <a:t>Cuarto nivel</a:t>
             </a:r>
           </a:p>
           <a:p>
             <a:pPr lvl="4"/>
             <a:r>
-              <a:rPr lang="es-ES" smtClean="0"/>
+              <a:rPr lang="es-ES"/>
               <a:t>Quinto nivel</a:t>
             </a:r>
             <a:endParaRPr lang="en-US"/>
@@ -2496,7 +2495,7 @@
           <a:lstStyle/>
           <a:p>
             <a:r>
-              <a:rPr lang="es-ES" smtClean="0"/>
+              <a:rPr lang="es-ES"/>
               <a:t>Haga clic para modificar el estilo de título del patrón</a:t>
             </a:r>
             <a:endParaRPr lang="en-US"/>
@@ -2655,7 +2654,7 @@
           </a:lstStyle>
           <a:p>
             <a:r>
-              <a:rPr lang="es-ES" smtClean="0"/>
+              <a:rPr lang="es-ES"/>
               <a:t>Haga clic para modificar el estilo de título del patrón</a:t>
             </a:r>
             <a:endParaRPr lang="en-US"/>
@@ -2719,7 +2718,7 @@
           <a:p>
             <a:pPr lvl="0"/>
             <a:r>
-              <a:rPr lang="es-ES" smtClean="0"/>
+              <a:rPr lang="es-ES"/>
               <a:t>Haga clic para modificar el estilo de texto del patrón</a:t>
             </a:r>
           </a:p>
@@ -2782,7 +2781,7 @@
           <a:p>
             <a:pPr lvl="0"/>
             <a:r>
-              <a:rPr lang="es-ES" smtClean="0"/>
+              <a:rPr lang="es-ES"/>
               <a:t>Haga clic para modificar el estilo de texto del patrón</a:t>
             </a:r>
           </a:p>
@@ -2832,35 +2831,35 @@
           <a:p>
             <a:pPr lvl="0"/>
             <a:r>
-              <a:rPr lang="es-ES" smtClean="0"/>
+              <a:rPr lang="es-ES"/>
               <a:t>Haga clic para modificar el estilo de texto del patrón</a:t>
             </a:r>
           </a:p>
           <a:p>
             <a:pPr lvl="1"/>
             <a:r>
-              <a:rPr lang="es-ES" smtClean="0"/>
+              <a:rPr lang="es-ES"/>
               <a:t>Segundo nivel</a:t>
             </a:r>
           </a:p>
           <a:p>
             <a:pPr lvl="2"/>
             <a:r>
-              <a:rPr lang="es-ES" smtClean="0"/>
+              <a:rPr lang="es-ES"/>
               <a:t>Tercer nivel</a:t>
             </a:r>
           </a:p>
           <a:p>
             <a:pPr lvl="3"/>
             <a:r>
-              <a:rPr lang="es-ES" smtClean="0"/>
+              <a:rPr lang="es-ES"/>
               <a:t>Cuarto nivel</a:t>
             </a:r>
           </a:p>
           <a:p>
             <a:pPr lvl="4"/>
             <a:r>
-              <a:rPr lang="es-ES" smtClean="0"/>
+              <a:rPr lang="es-ES"/>
               <a:t>Quinto nivel</a:t>
             </a:r>
             <a:endParaRPr lang="en-US"/>
@@ -2914,35 +2913,35 @@
           <a:p>
             <a:pPr lvl="0"/>
             <a:r>
-              <a:rPr lang="es-ES" smtClean="0"/>
+              <a:rPr lang="es-ES"/>
               <a:t>Haga clic para modificar el estilo de texto del patrón</a:t>
             </a:r>
           </a:p>
           <a:p>
             <a:pPr lvl="1"/>
             <a:r>
-              <a:rPr lang="es-ES" smtClean="0"/>
+              <a:rPr lang="es-ES"/>
               <a:t>Segundo nivel</a:t>
             </a:r>
           </a:p>
           <a:p>
             <a:pPr lvl="2"/>
             <a:r>
-              <a:rPr lang="es-ES" smtClean="0"/>
+              <a:rPr lang="es-ES"/>
               <a:t>Tercer nivel</a:t>
             </a:r>
           </a:p>
           <a:p>
             <a:pPr lvl="3"/>
             <a:r>
-              <a:rPr lang="es-ES" smtClean="0"/>
+              <a:rPr lang="es-ES"/>
               <a:t>Cuarto nivel</a:t>
             </a:r>
           </a:p>
           <a:p>
             <a:pPr lvl="4"/>
             <a:r>
-              <a:rPr lang="es-ES" smtClean="0"/>
+              <a:rPr lang="es-ES"/>
               <a:t>Quinto nivel</a:t>
             </a:r>
             <a:endParaRPr lang="en-US"/>
@@ -3091,7 +3090,7 @@
           <a:lstStyle/>
           <a:p>
             <a:r>
-              <a:rPr lang="es-ES" smtClean="0"/>
+              <a:rPr lang="es-ES"/>
               <a:t>Haga clic para modificar el estilo de título del patrón</a:t>
             </a:r>
             <a:endParaRPr lang="en-US"/>
@@ -3379,7 +3378,7 @@
           </a:lstStyle>
           <a:p>
             <a:r>
-              <a:rPr lang="es-ES" smtClean="0"/>
+              <a:rPr lang="es-ES"/>
               <a:t>Haga clic para modificar el estilo de título del patrón</a:t>
             </a:r>
             <a:endParaRPr lang="en-US"/>
@@ -3430,7 +3429,7 @@
           <a:p>
             <a:pPr lvl="0"/>
             <a:r>
-              <a:rPr lang="es-ES" smtClean="0"/>
+              <a:rPr lang="es-ES"/>
               <a:t>Haga clic para modificar el estilo de texto del patrón</a:t>
             </a:r>
           </a:p>
@@ -3475,35 +3474,35 @@
           <a:p>
             <a:pPr lvl="0"/>
             <a:r>
-              <a:rPr lang="es-ES" smtClean="0"/>
+              <a:rPr lang="es-ES"/>
               <a:t>Haga clic para modificar el estilo de texto del patrón</a:t>
             </a:r>
           </a:p>
           <a:p>
             <a:pPr lvl="1"/>
             <a:r>
-              <a:rPr lang="es-ES" smtClean="0"/>
+              <a:rPr lang="es-ES"/>
               <a:t>Segundo nivel</a:t>
             </a:r>
           </a:p>
           <a:p>
             <a:pPr lvl="2"/>
             <a:r>
-              <a:rPr lang="es-ES" smtClean="0"/>
+              <a:rPr lang="es-ES"/>
               <a:t>Tercer nivel</a:t>
             </a:r>
           </a:p>
           <a:p>
             <a:pPr lvl="3"/>
             <a:r>
-              <a:rPr lang="es-ES" smtClean="0"/>
+              <a:rPr lang="es-ES"/>
               <a:t>Cuarto nivel</a:t>
             </a:r>
           </a:p>
           <a:p>
             <a:pPr lvl="4"/>
             <a:r>
-              <a:rPr lang="es-ES" smtClean="0"/>
+              <a:rPr lang="es-ES"/>
               <a:t>Quinto nivel</a:t>
             </a:r>
             <a:endParaRPr lang="en-US"/>
@@ -4169,7 +4168,7 @@
           <a:p>
             <a:pPr lvl="0"/>
             <a:r>
-              <a:rPr lang="es-ES" smtClean="0"/>
+              <a:rPr lang="es-ES"/>
               <a:t>Haga clic para modificar el estilo de texto del patrón</a:t>
             </a:r>
           </a:p>
@@ -4221,7 +4220,7 @@
           <a:p>
             <a:pPr lvl="0"/>
             <a:r>
-              <a:rPr lang="es-ES" noProof="0" smtClean="0"/>
+              <a:rPr lang="es-ES" noProof="0"/>
               <a:t>Haga clic en el icono para agregar una imagen</a:t>
             </a:r>
             <a:endParaRPr lang="en-US" noProof="0" dirty="0"/>
@@ -4269,7 +4268,7 @@
           </a:lstStyle>
           <a:p>
             <a:r>
-              <a:rPr lang="es-ES" smtClean="0"/>
+              <a:rPr lang="es-ES"/>
               <a:t>Haga clic para modificar el estilo de título del patrón</a:t>
             </a:r>
             <a:endParaRPr lang="en-US"/>
@@ -4779,7 +4778,7 @@
           <a:lstStyle/>
           <a:p>
             <a:r>
-              <a:rPr lang="es-ES" smtClean="0"/>
+              <a:rPr lang="es-ES"/>
               <a:t>Haga clic para modificar el estilo de título del patrón</a:t>
             </a:r>
             <a:endParaRPr lang="en-US"/>
@@ -4822,38 +4821,38 @@
           <a:p>
             <a:pPr lvl="0"/>
             <a:r>
-              <a:rPr lang="es-ES" smtClean="0"/>
+              <a:rPr lang="es-ES"/>
               <a:t>Haga clic para modificar el estilo de texto del patrón</a:t>
             </a:r>
           </a:p>
           <a:p>
             <a:pPr lvl="1"/>
             <a:r>
-              <a:rPr lang="es-ES" smtClean="0"/>
+              <a:rPr lang="es-ES"/>
               <a:t>Segundo nivel</a:t>
             </a:r>
           </a:p>
           <a:p>
             <a:pPr lvl="2"/>
             <a:r>
-              <a:rPr lang="es-ES" smtClean="0"/>
+              <a:rPr lang="es-ES"/>
               <a:t>Tercer nivel</a:t>
             </a:r>
           </a:p>
           <a:p>
             <a:pPr lvl="3"/>
             <a:r>
-              <a:rPr lang="es-ES" smtClean="0"/>
+              <a:rPr lang="es-ES"/>
               <a:t>Cuarto nivel</a:t>
             </a:r>
           </a:p>
           <a:p>
             <a:pPr lvl="4"/>
             <a:r>
-              <a:rPr lang="es-ES" smtClean="0"/>
+              <a:rPr lang="es-ES"/>
               <a:t>Quinto nivel</a:t>
             </a:r>
-            <a:endParaRPr lang="en-US" smtClean="0"/>
+            <a:endParaRPr lang="en-US"/>
           </a:p>
         </p:txBody>
       </p:sp>
@@ -5469,40 +5468,28 @@
               <a:defRPr/>
             </a:pPr>
             <a:r>
-              <a:rPr lang="es-ES" sz="6600" dirty="0" smtClean="0"/>
+              <a:rPr lang="es-ES" sz="6600" dirty="0"/>
               <a:t>Proyecto DAM</a:t>
             </a:r>
-            <a:r>
-              <a:rPr lang="es-ES" sz="6600" smtClean="0"/>
-              <a:t/>
-            </a:r>
             <a:br>
-              <a:rPr lang="es-ES" sz="6600" smtClean="0"/>
+              <a:rPr lang="es-ES" sz="6600"/>
             </a:br>
             <a:r>
-              <a:rPr lang="es-ES" sz="6600" smtClean="0"/>
-              <a:t>2023/2024</a:t>
-            </a:r>
-            <a:r>
-              <a:rPr lang="es-ES" sz="6600" dirty="0" smtClean="0"/>
-              <a:t/>
+              <a:rPr lang="es-ES" sz="6600"/>
+              <a:t>2024/2025</a:t>
             </a:r>
             <a:br>
-              <a:rPr lang="es-ES" sz="6600" dirty="0" smtClean="0"/>
+              <a:rPr lang="es-ES" sz="6600" dirty="0"/>
             </a:br>
             <a:r>
-              <a:rPr lang="es-ES" sz="2500" dirty="0" smtClean="0"/>
+              <a:rPr lang="es-ES" sz="2500" dirty="0"/>
               <a:t> </a:t>
             </a:r>
-            <a:r>
-              <a:rPr lang="es-ES" sz="6600" dirty="0" smtClean="0"/>
-              <a:t/>
-            </a:r>
             <a:br>
-              <a:rPr lang="es-ES" sz="6600" dirty="0" smtClean="0"/>
+              <a:rPr lang="es-ES" sz="6600" dirty="0"/>
             </a:br>
             <a:r>
-              <a:rPr lang="es-ES" sz="2500" dirty="0" smtClean="0"/>
+              <a:rPr lang="es-ES" sz="2500" dirty="0"/>
               <a:t>Exposición y defensa del proyecto</a:t>
             </a:r>
             <a:endParaRPr lang="es-ES" sz="6600" dirty="0"/>
@@ -5532,34 +5519,34 @@
           <a:p>
             <a:pPr algn="r"/>
             <a:r>
-              <a:rPr lang="es-ES" b="1" dirty="0" smtClean="0"/>
+              <a:rPr lang="es-ES" b="1" dirty="0"/>
               <a:t>2º DAM </a:t>
             </a:r>
           </a:p>
           <a:p>
             <a:pPr algn="r"/>
             <a:r>
-              <a:rPr lang="es-ES" b="1" dirty="0" smtClean="0"/>
+              <a:rPr lang="es-ES" b="1" dirty="0"/>
               <a:t>Plataforma </a:t>
             </a:r>
             <a:r>
-              <a:rPr lang="es-ES" b="1" dirty="0" err="1" smtClean="0"/>
+              <a:rPr lang="es-ES" b="1" dirty="0" err="1"/>
               <a:t>anitzeko</a:t>
             </a:r>
             <a:r>
-              <a:rPr lang="es-ES" b="1" dirty="0" smtClean="0"/>
+              <a:rPr lang="es-ES" b="1" dirty="0"/>
               <a:t> </a:t>
             </a:r>
             <a:r>
-              <a:rPr lang="es-ES" b="1" dirty="0" err="1" smtClean="0"/>
+              <a:rPr lang="es-ES" b="1" dirty="0" err="1"/>
               <a:t>aplikazioak</a:t>
             </a:r>
             <a:r>
-              <a:rPr lang="es-ES" b="1" dirty="0" smtClean="0"/>
+              <a:rPr lang="es-ES" b="1" dirty="0"/>
               <a:t> </a:t>
             </a:r>
             <a:r>
-              <a:rPr lang="es-ES" b="1" dirty="0" err="1" smtClean="0"/>
+              <a:rPr lang="es-ES" b="1" dirty="0" err="1"/>
               <a:t>garatzea</a:t>
             </a:r>
             <a:endParaRPr lang="es-ES" b="1" dirty="0"/>
@@ -5567,10 +5554,9 @@
           <a:p>
             <a:pPr algn="r"/>
             <a:r>
-              <a:rPr lang="es-ES" b="1" dirty="0" smtClean="0"/>
+              <a:rPr lang="es-ES" b="1" dirty="0"/>
               <a:t>Desarrollo de aplicaciones Multiplataforma</a:t>
             </a:r>
-            <a:endParaRPr lang="es-ES" b="1" dirty="0"/>
           </a:p>
         </p:txBody>
       </p:sp>
@@ -5579,13 +5565,6 @@
   <p:clrMapOvr>
     <a:masterClrMapping/>
   </p:clrMapOvr>
-  <p:timing>
-    <p:tnLst>
-      <p:par>
-        <p:cTn id="1" dur="indefinite" restart="never" nodeType="tmRoot"/>
-      </p:par>
-    </p:tnLst>
-  </p:timing>
 </p:sld>
 </file>
 
@@ -5630,24 +5609,15 @@
           <a:p>
             <a:pPr algn="just"/>
             <a:r>
-              <a:rPr lang="es-ES_tradnl" sz="2000" dirty="0" smtClean="0"/>
-              <a:t>Una </a:t>
-            </a:r>
-            <a:r>
               <a:rPr lang="es-ES_tradnl" sz="2000" dirty="0"/>
-              <a:t>vez entregado el proyecto llega el momento de la exposición y defensa del mismo. </a:t>
-            </a:r>
-            <a:endParaRPr lang="es-ES_tradnl" sz="2000" dirty="0" smtClean="0"/>
+              <a:t>Una vez entregado el proyecto llega el momento de la exposición y defensa del mismo. </a:t>
+            </a:r>
           </a:p>
           <a:p>
             <a:pPr algn="just"/>
             <a:r>
-              <a:rPr lang="es-ES_tradnl" sz="2000" dirty="0" smtClean="0"/>
-              <a:t>En este momento se </a:t>
-            </a:r>
-            <a:r>
               <a:rPr lang="es-ES_tradnl" sz="2000" dirty="0"/>
-              <a:t>deberá demostrar, tanto a nivel de equipo como individualmente, que se conocen y manejan sus contenidos.</a:t>
+              <a:t>En este momento se deberá demostrar, tanto a nivel de equipo como individualmente, que se conocen y manejan sus contenidos.</a:t>
             </a:r>
             <a:endParaRPr lang="es-ES" sz="2000" dirty="0"/>
           </a:p>
@@ -5655,11 +5625,7 @@
             <a:pPr algn="just"/>
             <a:r>
               <a:rPr lang="es-ES_tradnl" sz="2000" dirty="0"/>
-              <a:t>La exposición del proyecto consta de dos momentos</a:t>
-            </a:r>
-            <a:r>
-              <a:rPr lang="es-ES_tradnl" sz="2000" dirty="0" smtClean="0"/>
-              <a:t>:</a:t>
+              <a:t>La exposición del proyecto consta de dos momentos:</a:t>
             </a:r>
           </a:p>
           <a:p>
@@ -5672,62 +5638,42 @@
             <a:pPr lvl="1" algn="just"/>
             <a:r>
               <a:rPr lang="es-ES_tradnl" sz="1800" b="1" dirty="0"/>
-              <a:t>E</a:t>
-            </a:r>
-            <a:r>
-              <a:rPr lang="es-ES_tradnl" sz="1800" b="1" dirty="0" smtClean="0"/>
-              <a:t>xposición</a:t>
-            </a:r>
-            <a:r>
-              <a:rPr lang="es-ES_tradnl" sz="1800" dirty="0" smtClean="0"/>
+              <a:t>Exposición</a:t>
+            </a:r>
+            <a:r>
+              <a:rPr lang="es-ES_tradnl" sz="1800" dirty="0"/>
               <a:t> </a:t>
             </a:r>
             <a:r>
-              <a:rPr lang="es-ES_tradnl" sz="1800" dirty="0" smtClean="0">
+              <a:rPr lang="es-ES_tradnl" sz="1800" dirty="0">
                 <a:sym typeface="Wingdings" panose="05000000000000000000" pitchFamily="2" charset="2"/>
               </a:rPr>
               <a:t> </a:t>
             </a:r>
             <a:r>
-              <a:rPr lang="es-ES_tradnl" sz="1800" dirty="0" smtClean="0"/>
-              <a:t>se </a:t>
-            </a:r>
-            <a:r>
               <a:rPr lang="es-ES_tradnl" sz="1800" dirty="0"/>
-              <a:t>describen los principales contenidos del proyecto</a:t>
-            </a:r>
-            <a:r>
-              <a:rPr lang="es-ES_tradnl" sz="1800" dirty="0" smtClean="0"/>
-              <a:t>.</a:t>
+              <a:t>se describen los principales contenidos del proyecto.</a:t>
             </a:r>
           </a:p>
           <a:p>
             <a:pPr lvl="1" algn="just"/>
             <a:r>
               <a:rPr lang="es-ES_tradnl" sz="1800" b="1" dirty="0"/>
-              <a:t>D</a:t>
-            </a:r>
-            <a:r>
-              <a:rPr lang="es-ES_tradnl" sz="1800" b="1" dirty="0" smtClean="0"/>
-              <a:t>efensa</a:t>
-            </a:r>
-            <a:r>
-              <a:rPr lang="es-ES_tradnl" sz="1800" dirty="0" smtClean="0"/>
+              <a:t>Defensa</a:t>
+            </a:r>
+            <a:r>
+              <a:rPr lang="es-ES_tradnl" sz="1800" dirty="0"/>
               <a:t> </a:t>
             </a:r>
             <a:r>
-              <a:rPr lang="es-ES_tradnl" sz="1800" dirty="0" smtClean="0">
+              <a:rPr lang="es-ES_tradnl" sz="1800" dirty="0">
                 <a:sym typeface="Wingdings" panose="05000000000000000000" pitchFamily="2" charset="2"/>
               </a:rPr>
               <a:t></a:t>
             </a:r>
             <a:r>
-              <a:rPr lang="es-ES_tradnl" sz="1800" dirty="0" smtClean="0"/>
-              <a:t> </a:t>
-            </a:r>
-            <a:r>
               <a:rPr lang="es-ES_tradnl" sz="1800" dirty="0"/>
-              <a:t>momento en el cual el profesor/es evaluador/es harán preguntas con el objetivo de aclarar aspectos que no hayan quedado suficientemente explicados y/o evaluar el grado de conocimiento del proyecto por parte del equipo que lo ha desarrollado.</a:t>
+              <a:t> momento en el cual el profesor/es evaluador/es harán preguntas con el objetivo de aclarar aspectos que no hayan quedado suficientemente explicados y/o evaluar el grado de conocimiento del proyecto por parte del equipo que lo ha desarrollado.</a:t>
             </a:r>
             <a:endParaRPr lang="es-ES" sz="1800" dirty="0"/>
           </a:p>
@@ -5737,7 +5683,7 @@
           </a:p>
           <a:p>
             <a:pPr algn="just"/>
-            <a:endParaRPr lang="es-ES" sz="1800" dirty="0" smtClean="0"/>
+            <a:endParaRPr lang="es-ES" sz="1800" dirty="0"/>
           </a:p>
         </p:txBody>
       </p:sp>
@@ -5765,10 +5711,9 @@
               <a:defRPr/>
             </a:pPr>
             <a:r>
-              <a:rPr lang="es-ES" sz="4400" dirty="0" smtClean="0"/>
+              <a:rPr lang="es-ES" sz="4400" dirty="0"/>
               <a:t>1. Exposición y defensa del proyecto</a:t>
             </a:r>
-            <a:endParaRPr lang="es-ES" sz="4400" dirty="0"/>
           </a:p>
         </p:txBody>
       </p:sp>
@@ -5782,13 +5727,6 @@
   <p:clrMapOvr>
     <a:masterClrMapping/>
   </p:clrMapOvr>
-  <p:timing>
-    <p:tnLst>
-      <p:par>
-        <p:cTn id="1" dur="indefinite" restart="never" nodeType="tmRoot"/>
-      </p:par>
-    </p:tnLst>
-  </p:timing>
 </p:sld>
 </file>
 
@@ -5828,187 +5766,120 @@
           <a:p>
             <a:pPr algn="just"/>
             <a:r>
-              <a:rPr lang="es-ES_tradnl" sz="2400" dirty="0" smtClean="0"/>
-              <a:t>Previo </a:t>
-            </a:r>
-            <a:r>
               <a:rPr lang="es-ES_tradnl" sz="2400" dirty="0"/>
-              <a:t>a realizar la exposición es importante realizar una preparación de la </a:t>
-            </a:r>
-            <a:r>
-              <a:rPr lang="es-ES_tradnl" sz="2400" dirty="0" smtClean="0"/>
-              <a:t>misma.</a:t>
+              <a:t>Previo a realizar la exposición es importante realizar una preparación de la misma.</a:t>
             </a:r>
           </a:p>
           <a:p>
             <a:pPr algn="just"/>
             <a:r>
-              <a:rPr lang="es-ES_tradnl" sz="2400" dirty="0" smtClean="0"/>
+              <a:rPr lang="es-ES_tradnl" sz="2400" dirty="0"/>
               <a:t>Aspectos a tener en cuenta:</a:t>
             </a:r>
           </a:p>
           <a:p>
             <a:pPr lvl="1" algn="just"/>
             <a:r>
-              <a:rPr lang="es-ES_tradnl" sz="1800" dirty="0" smtClean="0"/>
-              <a:t>Preparación </a:t>
-            </a:r>
-            <a:r>
               <a:rPr lang="es-ES_tradnl" sz="1800" dirty="0"/>
-              <a:t>y organización de los contenidos </a:t>
-            </a:r>
-            <a:r>
-              <a:rPr lang="es-ES_tradnl" sz="1800" dirty="0" smtClean="0">
+              <a:t>Preparación y organización de los contenidos </a:t>
+            </a:r>
+            <a:r>
+              <a:rPr lang="es-ES_tradnl" sz="1800" dirty="0">
+                <a:sym typeface="Wingdings" panose="05000000000000000000" pitchFamily="2" charset="2"/>
+              </a:rPr>
+              <a:t> I</a:t>
+            </a:r>
+            <a:r>
+              <a:rPr lang="es-ES_tradnl" sz="1800" dirty="0"/>
+              <a:t>mportante tener en cuenta que se presenta una </a:t>
+            </a:r>
+            <a:r>
+              <a:rPr lang="es-ES_tradnl" sz="1800" b="1" dirty="0"/>
+              <a:t>síntesis</a:t>
+            </a:r>
+            <a:r>
+              <a:rPr lang="es-ES_tradnl" sz="1800" dirty="0"/>
+              <a:t> con los aspectos principales del proyecto y </a:t>
+            </a:r>
+            <a:r>
+              <a:rPr lang="es-ES_tradnl" sz="1800" b="1" dirty="0"/>
+              <a:t>no el proyecto tal y como aparece en la memoria</a:t>
+            </a:r>
+            <a:r>
+              <a:rPr lang="es-ES_tradnl" sz="1800" dirty="0"/>
+              <a:t>.</a:t>
+            </a:r>
+          </a:p>
+          <a:p>
+            <a:pPr lvl="1" algn="just"/>
+            <a:r>
+              <a:rPr lang="es-ES_tradnl" sz="1800" dirty="0"/>
+              <a:t>Exposición en grupo </a:t>
+            </a:r>
+            <a:r>
+              <a:rPr lang="es-ES_tradnl" sz="1800" dirty="0">
                 <a:sym typeface="Wingdings" panose="05000000000000000000" pitchFamily="2" charset="2"/>
               </a:rPr>
               <a:t> </a:t>
             </a:r>
             <a:r>
-              <a:rPr lang="es-ES_tradnl" sz="1800" dirty="0">
-                <a:sym typeface="Wingdings" panose="05000000000000000000" pitchFamily="2" charset="2"/>
-              </a:rPr>
-              <a:t>I</a:t>
-            </a:r>
-            <a:r>
-              <a:rPr lang="es-ES_tradnl" sz="1800" dirty="0" smtClean="0"/>
-              <a:t>mportante </a:t>
-            </a:r>
-            <a:r>
               <a:rPr lang="es-ES_tradnl" sz="1800" dirty="0"/>
-              <a:t>tener en cuenta que </a:t>
-            </a:r>
-            <a:r>
-              <a:rPr lang="es-ES_tradnl" sz="1800" dirty="0" smtClean="0"/>
-              <a:t>se </a:t>
+              <a:t>repartir las partes que va a exponer cada uno.</a:t>
+            </a:r>
+          </a:p>
+          <a:p>
+            <a:pPr lvl="1" algn="just"/>
+            <a:r>
+              <a:rPr lang="es-ES_tradnl" sz="1800" b="1" dirty="0"/>
+              <a:t>Ensayar la exposición </a:t>
             </a:r>
             <a:r>
               <a:rPr lang="es-ES_tradnl" sz="1800" dirty="0"/>
-              <a:t>presenta una </a:t>
-            </a:r>
-            <a:r>
-              <a:rPr lang="es-ES_tradnl" sz="1800" b="1" dirty="0"/>
-              <a:t>síntesis</a:t>
-            </a:r>
-            <a:r>
-              <a:rPr lang="es-ES_tradnl" sz="1800" dirty="0"/>
-              <a:t> con los aspectos principales del proyecto y </a:t>
-            </a:r>
-            <a:r>
-              <a:rPr lang="es-ES_tradnl" sz="1800" b="1" dirty="0"/>
-              <a:t>no el proyecto tal y como aparece en la </a:t>
-            </a:r>
-            <a:r>
-              <a:rPr lang="es-ES_tradnl" sz="1800" b="1" dirty="0" smtClean="0"/>
-              <a:t>memoria</a:t>
-            </a:r>
-            <a:r>
-              <a:rPr lang="es-ES_tradnl" sz="1800" dirty="0" smtClean="0"/>
-              <a:t>.</a:t>
-            </a:r>
-          </a:p>
-          <a:p>
-            <a:pPr lvl="1" algn="just"/>
-            <a:r>
-              <a:rPr lang="es-ES_tradnl" sz="1800" dirty="0" smtClean="0"/>
-              <a:t>Exposición en grupo </a:t>
-            </a:r>
-            <a:r>
-              <a:rPr lang="es-ES_tradnl" sz="1800" dirty="0" smtClean="0">
+              <a:t>tal y como se vaya a realizar:</a:t>
+            </a:r>
+          </a:p>
+          <a:p>
+            <a:pPr lvl="2" algn="just"/>
+            <a:r>
+              <a:rPr lang="es-ES_tradnl" sz="1600" dirty="0"/>
+              <a:t>Empleando también los medios técnicos a utilizar </a:t>
+            </a:r>
+            <a:r>
+              <a:rPr lang="es-ES_tradnl" sz="1600" dirty="0">
                 <a:sym typeface="Wingdings" panose="05000000000000000000" pitchFamily="2" charset="2"/>
               </a:rPr>
               <a:t> </a:t>
             </a:r>
             <a:r>
-              <a:rPr lang="es-ES_tradnl" sz="1800" dirty="0" smtClean="0"/>
-              <a:t>repartir </a:t>
-            </a:r>
-            <a:r>
-              <a:rPr lang="es-ES_tradnl" sz="1800" dirty="0"/>
-              <a:t>las partes que va a exponer cada uno</a:t>
-            </a:r>
-            <a:r>
-              <a:rPr lang="es-ES_tradnl" sz="1800" dirty="0" smtClean="0"/>
-              <a:t>.</a:t>
-            </a:r>
-          </a:p>
-          <a:p>
-            <a:pPr lvl="1" algn="just"/>
-            <a:r>
-              <a:rPr lang="es-ES_tradnl" sz="1800" b="1" dirty="0"/>
-              <a:t>Ensayar la exposición </a:t>
-            </a:r>
-            <a:r>
-              <a:rPr lang="es-ES_tradnl" sz="1800" dirty="0"/>
-              <a:t>tal y como </a:t>
-            </a:r>
-            <a:r>
-              <a:rPr lang="es-ES_tradnl" sz="1800" dirty="0" smtClean="0"/>
-              <a:t>se vaya a realizar:</a:t>
+              <a:rPr lang="es-ES_tradnl" sz="1600" dirty="0"/>
+              <a:t>corregir posibles errores, evitar problemas durante la exposición. </a:t>
             </a:r>
           </a:p>
           <a:p>
             <a:pPr lvl="2" algn="just"/>
             <a:r>
-              <a:rPr lang="es-ES_tradnl" sz="1600" dirty="0" smtClean="0"/>
-              <a:t>Empleando </a:t>
-            </a:r>
-            <a:r>
               <a:rPr lang="es-ES_tradnl" sz="1600" dirty="0"/>
-              <a:t>también los medios técnicos </a:t>
-            </a:r>
-            <a:r>
-              <a:rPr lang="es-ES_tradnl" sz="1600" dirty="0" smtClean="0"/>
-              <a:t>a utilizar </a:t>
-            </a:r>
-            <a:r>
-              <a:rPr lang="es-ES_tradnl" sz="1600" dirty="0" smtClean="0">
+              <a:t>Control de los tiempos </a:t>
+            </a:r>
+            <a:r>
+              <a:rPr lang="es-ES_tradnl" sz="1600" dirty="0">
                 <a:sym typeface="Wingdings" panose="05000000000000000000" pitchFamily="2" charset="2"/>
               </a:rPr>
               <a:t> </a:t>
             </a:r>
             <a:r>
-              <a:rPr lang="es-ES_tradnl" sz="1600" dirty="0" smtClean="0"/>
-              <a:t>corregir </a:t>
-            </a:r>
-            <a:r>
               <a:rPr lang="es-ES_tradnl" sz="1600" dirty="0"/>
-              <a:t>posibles errores, evitar problemas durante la exposición. </a:t>
-            </a:r>
-            <a:endParaRPr lang="es-ES_tradnl" sz="1600" dirty="0" smtClean="0"/>
-          </a:p>
-          <a:p>
-            <a:pPr lvl="2" algn="just"/>
-            <a:r>
-              <a:rPr lang="es-ES_tradnl" sz="1600" dirty="0" smtClean="0"/>
-              <a:t>Control de los tiempos </a:t>
-            </a:r>
-            <a:r>
-              <a:rPr lang="es-ES_tradnl" sz="1600" dirty="0" smtClean="0">
-                <a:sym typeface="Wingdings" panose="05000000000000000000" pitchFamily="2" charset="2"/>
-              </a:rPr>
-              <a:t> </a:t>
-            </a:r>
-            <a:r>
-              <a:rPr lang="es-ES_tradnl" sz="1600" dirty="0" smtClean="0"/>
-              <a:t>el </a:t>
-            </a:r>
-            <a:r>
-              <a:rPr lang="es-ES_tradnl" sz="1600" dirty="0"/>
-              <a:t>tiempo de exposición suele ser </a:t>
-            </a:r>
-            <a:r>
-              <a:rPr lang="es-ES_tradnl" sz="1600" dirty="0" smtClean="0"/>
-              <a:t>limitado (máximo 15 minutos).</a:t>
+              <a:t>el tiempo de exposición suele ser limitado (máximo 15 minutos).</a:t>
             </a:r>
             <a:endParaRPr lang="es-ES" sz="2400" dirty="0"/>
           </a:p>
           <a:p>
             <a:pPr lvl="1" algn="just"/>
-            <a:endParaRPr lang="es-ES" sz="1400" dirty="0" smtClean="0"/>
+            <a:endParaRPr lang="es-ES" sz="1400" dirty="0"/>
           </a:p>
           <a:p>
             <a:pPr algn="just"/>
-            <a:endParaRPr lang="es-ES" sz="1800" dirty="0" smtClean="0"/>
+            <a:endParaRPr lang="es-ES" sz="1800" dirty="0"/>
           </a:p>
         </p:txBody>
       </p:sp>
@@ -6037,13 +5908,8 @@
             </a:pPr>
             <a:r>
               <a:rPr lang="es-ES" sz="4400" dirty="0"/>
-              <a:t>2</a:t>
-            </a:r>
-            <a:r>
-              <a:rPr lang="es-ES" sz="4400" dirty="0" smtClean="0"/>
-              <a:t>. Preparar la exposición</a:t>
-            </a:r>
-            <a:endParaRPr lang="es-ES" sz="4400" dirty="0"/>
+              <a:t>2. Preparar la exposición</a:t>
+            </a:r>
           </a:p>
         </p:txBody>
       </p:sp>
@@ -6057,13 +5923,6 @@
   <p:clrMapOvr>
     <a:masterClrMapping/>
   </p:clrMapOvr>
-  <p:timing>
-    <p:tnLst>
-      <p:par>
-        <p:cTn id="1" dur="indefinite" restart="never" nodeType="tmRoot"/>
-      </p:par>
-    </p:tnLst>
-  </p:timing>
 </p:sld>
 </file>
 
@@ -6103,12 +5962,8 @@
           <a:p>
             <a:pPr lvl="0"/>
             <a:r>
-              <a:rPr lang="es-ES_tradnl" sz="2400" dirty="0" smtClean="0"/>
-              <a:t>Preparación </a:t>
-            </a:r>
-            <a:r>
               <a:rPr lang="es-ES_tradnl" sz="2400" dirty="0"/>
-              <a:t>del material que se utilizará durante al exposición:</a:t>
+              <a:t>Preparación del material que se utilizará durante al exposición:</a:t>
             </a:r>
             <a:endParaRPr lang="es-ES" sz="2400" dirty="0"/>
           </a:p>
@@ -6116,146 +5971,89 @@
             <a:pPr lvl="1" algn="just"/>
             <a:r>
               <a:rPr lang="es-ES_tradnl" sz="2000" dirty="0"/>
-              <a:t>Presentación de diapositivas en </a:t>
-            </a:r>
-            <a:r>
-              <a:rPr lang="es-ES_tradnl" sz="2000" dirty="0" smtClean="0"/>
-              <a:t>PowerPoint, </a:t>
-            </a:r>
-            <a:r>
-              <a:rPr lang="es-ES_tradnl" sz="2000" dirty="0" err="1" smtClean="0"/>
+              <a:t>Presentación de diapositivas en PowerPoint, </a:t>
+            </a:r>
+            <a:r>
+              <a:rPr lang="es-ES_tradnl" sz="2000" dirty="0" err="1"/>
               <a:t>Prezi</a:t>
             </a:r>
             <a:r>
-              <a:rPr lang="es-ES_tradnl" sz="2000" dirty="0" smtClean="0"/>
+              <a:rPr lang="es-ES_tradnl" sz="2000" dirty="0"/>
               <a:t> etc.</a:t>
             </a:r>
           </a:p>
           <a:p>
             <a:pPr lvl="2" algn="just"/>
             <a:r>
-              <a:rPr lang="es-ES_tradnl" sz="1800" dirty="0" smtClean="0"/>
+              <a:rPr lang="es-ES_tradnl" sz="1800" dirty="0"/>
               <a:t>Estética cuidada.</a:t>
             </a:r>
           </a:p>
           <a:p>
             <a:pPr lvl="2" algn="just"/>
             <a:r>
-              <a:rPr lang="es-ES_tradnl" sz="1800" dirty="0" smtClean="0"/>
-              <a:t>Evitar </a:t>
-            </a:r>
-            <a:r>
               <a:rPr lang="es-ES_tradnl" sz="1800" dirty="0"/>
-              <a:t>diseñar diapositivas demasiado cargadas de letra y con letra demasiado pequeña. </a:t>
-            </a:r>
-            <a:endParaRPr lang="es-ES_tradnl" sz="1800" dirty="0" smtClean="0"/>
+              <a:t>Evitar diseñar diapositivas demasiado cargadas de letra y con letra demasiado pequeña. </a:t>
+            </a:r>
           </a:p>
           <a:p>
             <a:pPr lvl="2" algn="just"/>
             <a:r>
               <a:rPr lang="es-ES_tradnl" sz="1800" dirty="0"/>
-              <a:t>A</a:t>
-            </a:r>
-            <a:r>
-              <a:rPr lang="es-ES_tradnl" sz="1800" dirty="0" smtClean="0"/>
-              <a:t>ñadir </a:t>
-            </a:r>
-            <a:r>
-              <a:rPr lang="es-ES_tradnl" sz="1800" dirty="0"/>
-              <a:t>imágenes, fotos y animar algunas diapositivas </a:t>
-            </a:r>
-            <a:r>
-              <a:rPr lang="es-ES_tradnl" sz="1800" dirty="0" smtClean="0"/>
-              <a:t>(buscar equilibrio) </a:t>
-            </a:r>
-            <a:r>
-              <a:rPr lang="es-ES_tradnl" sz="1800" dirty="0" smtClean="0">
+              <a:t>Añadir imágenes, fotos y animar algunas diapositivas (buscar equilibrio) </a:t>
+            </a:r>
+            <a:r>
+              <a:rPr lang="es-ES_tradnl" sz="1800" dirty="0">
                 <a:sym typeface="Wingdings" panose="05000000000000000000" pitchFamily="2" charset="2"/>
               </a:rPr>
               <a:t> </a:t>
             </a:r>
             <a:r>
-              <a:rPr lang="es-ES_tradnl" sz="1800" dirty="0" smtClean="0"/>
-              <a:t>facilita </a:t>
-            </a:r>
-            <a:r>
               <a:rPr lang="es-ES_tradnl" sz="1800" dirty="0"/>
-              <a:t>el seguimiento de la </a:t>
-            </a:r>
-            <a:r>
-              <a:rPr lang="es-ES_tradnl" sz="1800" dirty="0" smtClean="0"/>
-              <a:t>exposición.</a:t>
+              <a:t>facilita el seguimiento de la exposición.</a:t>
             </a:r>
             <a:endParaRPr lang="es-ES" sz="1800" dirty="0"/>
           </a:p>
           <a:p>
             <a:pPr lvl="1" algn="just"/>
             <a:r>
-              <a:rPr lang="es-ES_tradnl" sz="2000" dirty="0" smtClean="0"/>
+              <a:rPr lang="es-ES_tradnl" sz="2000" dirty="0"/>
               <a:t>Esquema-</a:t>
             </a:r>
             <a:r>
-              <a:rPr lang="es-ES_tradnl" sz="2000" dirty="0" err="1" smtClean="0"/>
+              <a:rPr lang="es-ES_tradnl" sz="2000" dirty="0" err="1"/>
               <a:t>guión</a:t>
             </a:r>
             <a:r>
-              <a:rPr lang="es-ES_tradnl" sz="2000" dirty="0" smtClean="0"/>
-              <a:t> </a:t>
-            </a:r>
-            <a:r>
               <a:rPr lang="es-ES_tradnl" sz="2000" dirty="0"/>
-              <a:t>para desarrollar la </a:t>
-            </a:r>
-            <a:r>
-              <a:rPr lang="es-ES_tradnl" sz="2000" dirty="0" smtClean="0"/>
-              <a:t>exposición </a:t>
-            </a:r>
-            <a:r>
-              <a:rPr lang="es-ES_tradnl" sz="2000" dirty="0" smtClean="0">
+              <a:t> para desarrollar la exposición </a:t>
+            </a:r>
+            <a:r>
+              <a:rPr lang="es-ES_tradnl" sz="2000" dirty="0">
                 <a:sym typeface="Wingdings" panose="05000000000000000000" pitchFamily="2" charset="2"/>
               </a:rPr>
               <a:t> también </a:t>
             </a:r>
             <a:r>
-              <a:rPr lang="es-ES_tradnl" sz="2000" dirty="0" smtClean="0"/>
-              <a:t>puede </a:t>
-            </a:r>
-            <a:r>
               <a:rPr lang="es-ES_tradnl" sz="2000" dirty="0"/>
-              <a:t>entregarse al profesor/es evaluador/es para </a:t>
-            </a:r>
-            <a:r>
-              <a:rPr lang="es-ES_tradnl" sz="2000" dirty="0" smtClean="0"/>
-              <a:t>facilitar </a:t>
-            </a:r>
+              <a:t>puede entregarse al profesor/es evaluador/es para facilitar el seguimiento de la exposición.</a:t>
+            </a:r>
+            <a:endParaRPr lang="es-ES" sz="2000" dirty="0"/>
+          </a:p>
+          <a:p>
+            <a:pPr lvl="1" algn="just"/>
             <a:r>
               <a:rPr lang="es-ES_tradnl" sz="2000" dirty="0"/>
-              <a:t>el seguimiento de la </a:t>
-            </a:r>
-            <a:r>
-              <a:rPr lang="es-ES_tradnl" sz="2000" dirty="0" smtClean="0"/>
-              <a:t>exposición.</a:t>
-            </a:r>
-            <a:endParaRPr lang="es-ES" sz="2000" dirty="0"/>
-          </a:p>
-          <a:p>
-            <a:pPr lvl="1" algn="just"/>
-            <a:r>
-              <a:rPr lang="es-ES_tradnl" sz="2000" dirty="0"/>
-              <a:t>Maquetas, piezas, productos elaborados que sirvan como modelo de lo que se va a elaborar con la ejecución del </a:t>
-            </a:r>
-            <a:r>
-              <a:rPr lang="es-ES_tradnl" sz="2000" dirty="0" smtClean="0"/>
-              <a:t>proyecto </a:t>
-            </a:r>
-            <a:r>
-              <a:rPr lang="es-ES_tradnl" sz="2000" dirty="0" smtClean="0">
+              <a:t>Maquetas, piezas, productos elaborados que sirvan como modelo de lo que se va a elaborar con la ejecución del proyecto </a:t>
+            </a:r>
+            <a:r>
+              <a:rPr lang="es-ES_tradnl" sz="2000" dirty="0">
                 <a:sym typeface="Wingdings" panose="05000000000000000000" pitchFamily="2" charset="2"/>
               </a:rPr>
               <a:t> preparar plan B en caso de error/imprevisto</a:t>
             </a:r>
             <a:r>
-              <a:rPr lang="es-ES_tradnl" sz="2000" dirty="0" smtClean="0"/>
+              <a:rPr lang="es-ES_tradnl" sz="2000" dirty="0"/>
               <a:t>.</a:t>
             </a:r>
             <a:endParaRPr lang="es-ES" sz="2000" dirty="0"/>
@@ -6266,11 +6064,11 @@
           </a:p>
           <a:p>
             <a:pPr lvl="1" algn="just"/>
-            <a:endParaRPr lang="es-ES" sz="1400" dirty="0" smtClean="0"/>
+            <a:endParaRPr lang="es-ES" sz="1400" dirty="0"/>
           </a:p>
           <a:p>
             <a:pPr algn="just"/>
-            <a:endParaRPr lang="es-ES" sz="1800" dirty="0" smtClean="0"/>
+            <a:endParaRPr lang="es-ES" sz="1800" dirty="0"/>
           </a:p>
         </p:txBody>
       </p:sp>
@@ -6299,13 +6097,8 @@
             </a:pPr>
             <a:r>
               <a:rPr lang="es-ES" sz="4400" dirty="0"/>
-              <a:t>2</a:t>
-            </a:r>
-            <a:r>
-              <a:rPr lang="es-ES" sz="4400" dirty="0" smtClean="0"/>
-              <a:t>. Preparar la exposición</a:t>
-            </a:r>
-            <a:endParaRPr lang="es-ES" sz="4400" dirty="0"/>
+              <a:t>2. Preparar la exposición</a:t>
+            </a:r>
           </a:p>
         </p:txBody>
       </p:sp>
@@ -6319,13 +6112,6 @@
   <p:clrMapOvr>
     <a:masterClrMapping/>
   </p:clrMapOvr>
-  <p:timing>
-    <p:tnLst>
-      <p:par>
-        <p:cTn id="1" dur="indefinite" restart="never" nodeType="tmRoot"/>
-      </p:par>
-    </p:tnLst>
-  </p:timing>
 </p:sld>
 </file>
 
@@ -6370,23 +6156,15 @@
           <a:p>
             <a:pPr algn="just"/>
             <a:r>
-              <a:rPr lang="es-ES_tradnl" sz="1800" dirty="0" smtClean="0"/>
+              <a:rPr lang="es-ES_tradnl" sz="1800" dirty="0"/>
               <a:t>Comenzar por la presentación de los integrantes del grupo y exponer de qué trata el proyecto.</a:t>
             </a:r>
           </a:p>
           <a:p>
             <a:pPr algn="just"/>
             <a:r>
-              <a:rPr lang="es-ES_tradnl" sz="1800" dirty="0" smtClean="0"/>
-              <a:t>Exponer </a:t>
-            </a:r>
-            <a:r>
               <a:rPr lang="es-ES_tradnl" sz="1800" dirty="0"/>
-              <a:t>las ideas de forma </a:t>
-            </a:r>
-            <a:r>
-              <a:rPr lang="es-ES_tradnl" sz="1800" dirty="0" smtClean="0"/>
-              <a:t>organizada.</a:t>
+              <a:t>Exponer las ideas de forma organizada.</a:t>
             </a:r>
           </a:p>
           <a:p>
@@ -6399,48 +6177,36 @@
               <a:buChar char=""/>
             </a:pPr>
             <a:r>
-              <a:rPr lang="es-ES" sz="1800" dirty="0" smtClean="0"/>
-              <a:t>Toda persona ajena al proyecto debe hacerse </a:t>
-            </a:r>
-            <a:r>
               <a:rPr lang="es-ES" sz="1800" dirty="0"/>
-              <a:t>una idea lo más aproximada posible del problema o necesidad que se pretende resolver y sus principales objetivos</a:t>
-            </a:r>
-            <a:r>
-              <a:rPr lang="es-ES" sz="1800" dirty="0" smtClean="0"/>
-              <a:t>.</a:t>
-            </a:r>
-            <a:endParaRPr lang="es-ES_tradnl" sz="1800" dirty="0" smtClean="0"/>
+              <a:t>Toda persona ajena al proyecto debe hacerse una idea lo más aproximada posible del problema o necesidad que se pretende resolver y sus principales objetivos.</a:t>
+            </a:r>
+            <a:endParaRPr lang="es-ES_tradnl" sz="1800" dirty="0"/>
           </a:p>
           <a:p>
             <a:pPr algn="just"/>
             <a:r>
               <a:rPr lang="es-ES_tradnl" sz="1800" dirty="0"/>
-              <a:t>Intentar hacer una presentación amena, que atraiga el interés de las personas </a:t>
-            </a:r>
-            <a:r>
-              <a:rPr lang="es-ES_tradnl" sz="1800" dirty="0" smtClean="0"/>
-              <a:t>evaluadoras </a:t>
-            </a:r>
-            <a:r>
-              <a:rPr lang="es-ES_tradnl" sz="1800" dirty="0" smtClean="0">
+              <a:t>Intentar hacer una presentación amena, que atraiga el interés de las personas evaluadoras </a:t>
+            </a:r>
+            <a:r>
+              <a:rPr lang="es-ES_tradnl" sz="1800" dirty="0">
                 <a:sym typeface="Wingdings" panose="05000000000000000000" pitchFamily="2" charset="2"/>
               </a:rPr>
               <a:t> </a:t>
             </a:r>
             <a:r>
-              <a:rPr lang="es-ES_tradnl" sz="1800" dirty="0" smtClean="0"/>
+              <a:rPr lang="es-ES_tradnl" sz="1800" dirty="0"/>
               <a:t>mostrar entusiasmo.</a:t>
             </a:r>
           </a:p>
           <a:p>
             <a:pPr algn="just"/>
             <a:r>
-              <a:rPr lang="es-ES_tradnl" sz="1800" dirty="0" smtClean="0"/>
+              <a:rPr lang="es-ES_tradnl" sz="1800" dirty="0"/>
               <a:t>No es obligatorio explicar código </a:t>
             </a:r>
             <a:r>
-              <a:rPr lang="es-ES_tradnl" sz="1800" dirty="0" smtClean="0">
+              <a:rPr lang="es-ES_tradnl" sz="1800" dirty="0">
                 <a:sym typeface="Wingdings" panose="05000000000000000000" pitchFamily="2" charset="2"/>
               </a:rPr>
               <a:t> no excederse en detalles.</a:t>
@@ -6449,7 +6215,7 @@
           <a:p>
             <a:pPr algn="just"/>
             <a:r>
-              <a:rPr lang="es-ES_tradnl" sz="1800" dirty="0" smtClean="0">
+              <a:rPr lang="es-ES_tradnl" sz="1800" dirty="0">
                 <a:sym typeface="Wingdings" panose="05000000000000000000" pitchFamily="2" charset="2"/>
               </a:rPr>
               <a:t>Plan B demostración, maqueta etc.  video grabado para demostrar cómo funciona.</a:t>
@@ -6459,21 +6225,15 @@
             <a:pPr algn="just"/>
             <a:r>
               <a:rPr lang="es-ES_tradnl" sz="1800" dirty="0"/>
-              <a:t>Se pueden utilizar los últimos minutos de la exposición para exponer argumentos de defensa de la viabilidad del proyecto presentado</a:t>
-            </a:r>
-            <a:r>
-              <a:rPr lang="es-ES_tradnl" sz="1800" dirty="0" smtClean="0"/>
-              <a:t>.</a:t>
-            </a:r>
-            <a:endParaRPr lang="es-ES_tradnl" sz="1800" dirty="0"/>
+              <a:t>Se pueden utilizar los últimos minutos de la exposición para exponer argumentos de defensa de la viabilidad del proyecto presentado.</a:t>
+            </a:r>
           </a:p>
           <a:p>
             <a:pPr algn="just"/>
             <a:r>
-              <a:rPr lang="es-ES" sz="1800" dirty="0" smtClean="0"/>
+              <a:rPr lang="es-ES" sz="1800" dirty="0"/>
               <a:t>Cuidar el final de la exposición.</a:t>
             </a:r>
-            <a:endParaRPr lang="es-ES" sz="1800" dirty="0"/>
           </a:p>
           <a:p>
             <a:pPr algn="just"/>
@@ -6493,7 +6253,7 @@
           </a:p>
           <a:p>
             <a:pPr algn="just"/>
-            <a:endParaRPr lang="es-ES" sz="1800" dirty="0" smtClean="0"/>
+            <a:endParaRPr lang="es-ES" sz="1800" dirty="0"/>
           </a:p>
         </p:txBody>
       </p:sp>
@@ -6522,13 +6282,8 @@
             </a:pPr>
             <a:r>
               <a:rPr lang="es-ES" sz="4400" dirty="0"/>
-              <a:t>3</a:t>
-            </a:r>
-            <a:r>
-              <a:rPr lang="es-ES" sz="4400" dirty="0" smtClean="0"/>
-              <a:t>. Exposición</a:t>
-            </a:r>
-            <a:endParaRPr lang="es-ES" sz="4400" dirty="0"/>
+              <a:t>3. Exposición</a:t>
+            </a:r>
           </a:p>
         </p:txBody>
       </p:sp>
@@ -6542,13 +6297,6 @@
   <p:clrMapOvr>
     <a:masterClrMapping/>
   </p:clrMapOvr>
-  <p:timing>
-    <p:tnLst>
-      <p:par>
-        <p:cTn id="1" dur="indefinite" restart="never" nodeType="tmRoot"/>
-      </p:par>
-    </p:tnLst>
-  </p:timing>
 </p:sld>
 </file>
 
@@ -6593,12 +6341,8 @@
           <a:p>
             <a:pPr algn="just"/>
             <a:r>
-              <a:rPr lang="es-ES_tradnl" sz="2000" b="1" dirty="0" smtClean="0"/>
-              <a:t>Cuidar </a:t>
-            </a:r>
-            <a:r>
               <a:rPr lang="es-ES_tradnl" sz="2000" b="1" dirty="0"/>
-              <a:t>la expresión verbal</a:t>
+              <a:t>Cuidar la expresión verbal</a:t>
             </a:r>
             <a:r>
               <a:rPr lang="es-ES_tradnl" sz="2000" dirty="0"/>
@@ -6618,35 +6362,23 @@
             <a:pPr lvl="1" algn="just"/>
             <a:r>
               <a:rPr lang="es-ES_tradnl" sz="2000" dirty="0"/>
-              <a:t>Utilizar un tono de voz </a:t>
-            </a:r>
-            <a:r>
-              <a:rPr lang="es-ES_tradnl" sz="2000" dirty="0" smtClean="0"/>
-              <a:t>variable </a:t>
-            </a:r>
-            <a:r>
-              <a:rPr lang="es-ES_tradnl" sz="2000" dirty="0" smtClean="0">
+              <a:t>Utilizar un tono de voz variable </a:t>
+            </a:r>
+            <a:r>
+              <a:rPr lang="es-ES_tradnl" sz="2000" dirty="0">
                 <a:sym typeface="Wingdings" panose="05000000000000000000" pitchFamily="2" charset="2"/>
               </a:rPr>
               <a:t> </a:t>
             </a:r>
             <a:r>
-              <a:rPr lang="es-ES_tradnl" sz="2000" dirty="0" smtClean="0"/>
-              <a:t>énfasis </a:t>
-            </a:r>
-            <a:r>
               <a:rPr lang="es-ES_tradnl" sz="2000" dirty="0"/>
-              <a:t>a algunas ideas o comentarios</a:t>
-            </a:r>
-            <a:r>
-              <a:rPr lang="es-ES_tradnl" sz="2000" dirty="0" smtClean="0"/>
-              <a:t>.</a:t>
+              <a:t>énfasis a algunas ideas o comentarios.</a:t>
             </a:r>
           </a:p>
           <a:p>
             <a:pPr lvl="1" algn="just"/>
             <a:r>
-              <a:rPr lang="es-ES_tradnl" sz="2000" dirty="0" smtClean="0"/>
+              <a:rPr lang="es-ES_tradnl" sz="2000" dirty="0"/>
               <a:t>Cuidar el lenguaje.</a:t>
             </a:r>
             <a:endParaRPr lang="es-ES" sz="2000" dirty="0"/>
@@ -6667,33 +6399,21 @@
             <a:pPr lvl="1" algn="just"/>
             <a:r>
               <a:rPr lang="es-ES_tradnl" sz="2000" dirty="0"/>
-              <a:t>Mantener una conexión visual con las personas que están escuchando la exposición</a:t>
-            </a:r>
-            <a:r>
-              <a:rPr lang="es-ES_tradnl" sz="2000" dirty="0" smtClean="0"/>
-              <a:t>.</a:t>
+              <a:t>Mantener una conexión visual con las personas que están escuchando la exposición.</a:t>
             </a:r>
           </a:p>
           <a:p>
             <a:pPr lvl="1" algn="just"/>
             <a:r>
               <a:rPr lang="es-ES_tradnl" sz="2000" dirty="0"/>
-              <a:t>Si en algún momento de la exposición es necesario leer algún texto, levantar de vez en cuando la mirada</a:t>
-            </a:r>
-            <a:r>
-              <a:rPr lang="es-ES_tradnl" sz="2000" dirty="0" smtClean="0"/>
-              <a:t>.</a:t>
+              <a:t>Si en algún momento de la exposición es necesario leer algún texto, levantar de vez en cuando la mirada.</a:t>
             </a:r>
           </a:p>
           <a:p>
             <a:pPr lvl="1" algn="just"/>
             <a:r>
               <a:rPr lang="es-ES_tradnl" sz="2000" dirty="0"/>
-              <a:t>No meterse las manos en los bolsillos, ni apoyarse o sentarse sobre la mesa, ya que la imagen que se da no es adecuada</a:t>
-            </a:r>
-            <a:r>
-              <a:rPr lang="es-ES_tradnl" sz="2000" dirty="0" smtClean="0"/>
-              <a:t>.</a:t>
+              <a:t>No meterse las manos en los bolsillos, ni apoyarse o sentarse sobre la mesa, ya que la imagen que se da no es adecuada.</a:t>
             </a:r>
           </a:p>
           <a:p>
@@ -6714,7 +6434,7 @@
           </a:p>
           <a:p>
             <a:pPr algn="just"/>
-            <a:endParaRPr lang="es-ES" sz="1800" dirty="0" smtClean="0"/>
+            <a:endParaRPr lang="es-ES" sz="1800" dirty="0"/>
           </a:p>
         </p:txBody>
       </p:sp>
@@ -6743,13 +6463,8 @@
             </a:pPr>
             <a:r>
               <a:rPr lang="es-ES" sz="4400" dirty="0"/>
-              <a:t>3</a:t>
-            </a:r>
-            <a:r>
-              <a:rPr lang="es-ES" sz="4400" dirty="0" smtClean="0"/>
-              <a:t>. Exposición</a:t>
-            </a:r>
-            <a:endParaRPr lang="es-ES" sz="4400" dirty="0"/>
+              <a:t>3. Exposición</a:t>
+            </a:r>
           </a:p>
         </p:txBody>
       </p:sp>
@@ -6763,13 +6478,6 @@
   <p:clrMapOvr>
     <a:masterClrMapping/>
   </p:clrMapOvr>
-  <p:timing>
-    <p:tnLst>
-      <p:par>
-        <p:cTn id="1" dur="indefinite" restart="never" nodeType="tmRoot"/>
-      </p:par>
-    </p:tnLst>
-  </p:timing>
 </p:sld>
 </file>
 
@@ -6812,7 +6520,6 @@
               <a:rPr lang="es-ES_tradnl" sz="1800" dirty="0"/>
               <a:t>Después de la exposición, será el momento de responder a posibles preguntas que planteen las personas evaluadoras. </a:t>
             </a:r>
-            <a:endParaRPr lang="es-ES_tradnl" sz="1800" dirty="0" smtClean="0"/>
           </a:p>
           <a:p>
             <a:pPr algn="just"/>
@@ -6821,140 +6528,72 @@
               <a:t>Si se tienen dudas sobre la preguntas, no se han entendido bien, etc. </a:t>
             </a:r>
             <a:r>
-              <a:rPr lang="es-ES_tradnl" sz="1800" dirty="0" smtClean="0">
+              <a:rPr lang="es-ES_tradnl" sz="1800" dirty="0">
                 <a:sym typeface="Wingdings" panose="05000000000000000000" pitchFamily="2" charset="2"/>
               </a:rPr>
               <a:t> </a:t>
             </a:r>
             <a:r>
-              <a:rPr lang="es-ES_tradnl" sz="1800" dirty="0" smtClean="0"/>
-              <a:t>decirle </a:t>
-            </a:r>
-            <a:r>
               <a:rPr lang="es-ES_tradnl" sz="1800" dirty="0"/>
-              <a:t>al tribunal que las repita o formule de otra manera. </a:t>
+              <a:t>decirle al tribunal que las repita o formule de otra manera. </a:t>
             </a:r>
           </a:p>
           <a:p>
             <a:pPr algn="just"/>
             <a:r>
-              <a:rPr lang="es-ES_tradnl" sz="1800" dirty="0" smtClean="0"/>
-              <a:t>Ante </a:t>
-            </a:r>
-            <a:r>
               <a:rPr lang="es-ES_tradnl" sz="1800" dirty="0"/>
-              <a:t>las preguntas, no quedarse callado ni tampoco responder con algo que no tenga nada que ver</a:t>
-            </a:r>
-            <a:r>
-              <a:rPr lang="es-ES_tradnl" sz="1800" dirty="0" smtClean="0"/>
-              <a:t>.</a:t>
+              <a:t>Ante las preguntas, no quedarse callado ni tampoco responder con algo que no tenga nada que ver.</a:t>
             </a:r>
           </a:p>
           <a:p>
             <a:pPr algn="just"/>
             <a:r>
               <a:rPr lang="es-ES_tradnl" sz="1800" dirty="0"/>
-              <a:t>Importante argumentar adecuadamente las respuestas, haciendo referencia a los contenidos de la memoria del proyecto</a:t>
-            </a:r>
-            <a:r>
-              <a:rPr lang="es-ES_tradnl" sz="1800" dirty="0" smtClean="0"/>
-              <a:t>.</a:t>
+              <a:t>Importante argumentar adecuadamente las respuestas, haciendo referencia a los contenidos de la memoria del proyecto.</a:t>
             </a:r>
           </a:p>
           <a:p>
             <a:pPr algn="just"/>
             <a:r>
-              <a:rPr lang="es-ES_tradnl" sz="1800" dirty="0" smtClean="0"/>
-              <a:t>Intentar </a:t>
-            </a:r>
-            <a:r>
               <a:rPr lang="es-ES_tradnl" sz="1800" dirty="0"/>
-              <a:t>responder de memoria a las preguntas que formulen los/as </a:t>
-            </a:r>
-            <a:r>
-              <a:rPr lang="es-ES_tradnl" sz="1800" dirty="0" smtClean="0"/>
-              <a:t>evaluadores/as</a:t>
-            </a:r>
-            <a:r>
-              <a:rPr lang="es-ES_tradnl" sz="1800" dirty="0"/>
-              <a:t> </a:t>
-            </a:r>
-            <a:r>
-              <a:rPr lang="es-ES_tradnl" sz="1800" dirty="0" smtClean="0">
+              <a:t>Intentar responder de memoria a las preguntas que formulen los/as evaluadores/as </a:t>
+            </a:r>
+            <a:r>
+              <a:rPr lang="es-ES_tradnl" sz="1800" dirty="0">
                 <a:sym typeface="Wingdings" panose="05000000000000000000" pitchFamily="2" charset="2"/>
               </a:rPr>
               <a:t></a:t>
             </a:r>
             <a:r>
-              <a:rPr lang="es-ES_tradnl" sz="1800" dirty="0" smtClean="0"/>
-              <a:t> </a:t>
-            </a:r>
-            <a:r>
               <a:rPr lang="es-ES_tradnl" sz="1800" dirty="0"/>
-              <a:t>da impresión de dominio del proyecto</a:t>
-            </a:r>
-            <a:r>
-              <a:rPr lang="es-ES_tradnl" sz="1800" dirty="0" smtClean="0"/>
-              <a:t>.</a:t>
+              <a:t> da impresión de dominio del proyecto.</a:t>
             </a:r>
           </a:p>
           <a:p>
             <a:pPr algn="just"/>
             <a:r>
-              <a:rPr lang="es-ES_tradnl" sz="1800" dirty="0" smtClean="0"/>
-              <a:t>Conveniente </a:t>
-            </a:r>
-            <a:r>
               <a:rPr lang="es-ES_tradnl" sz="1800" dirty="0"/>
-              <a:t>llevar el material </a:t>
-            </a:r>
-            <a:r>
-              <a:rPr lang="es-ES_tradnl" sz="1800" dirty="0" smtClean="0"/>
-              <a:t>organizado: fichas </a:t>
-            </a:r>
-            <a:r>
-              <a:rPr lang="es-ES_tradnl" sz="1800" dirty="0"/>
-              <a:t>con esquemas </a:t>
-            </a:r>
-            <a:r>
-              <a:rPr lang="es-ES_tradnl" sz="1800" dirty="0" smtClean="0"/>
-              <a:t>y </a:t>
-            </a:r>
-            <a:r>
-              <a:rPr lang="es-ES_tradnl" sz="1800" dirty="0"/>
-              <a:t>la memoria del proyecto </a:t>
-            </a:r>
-            <a:r>
-              <a:rPr lang="es-ES_tradnl" sz="1800" dirty="0" smtClean="0">
+              <a:t>Conveniente llevar el material organizado: fichas con esquemas y la memoria del proyecto </a:t>
+            </a:r>
+            <a:r>
+              <a:rPr lang="es-ES_tradnl" sz="1800" dirty="0">
                 <a:sym typeface="Wingdings" panose="05000000000000000000" pitchFamily="2" charset="2"/>
               </a:rPr>
               <a:t> en caso de tener que recurrir al material, </a:t>
             </a:r>
             <a:r>
               <a:rPr lang="es-ES_tradnl" sz="1800" dirty="0"/>
-              <a:t>será más fácil encontrar lo que se </a:t>
-            </a:r>
-            <a:r>
-              <a:rPr lang="es-ES_tradnl" sz="1800" dirty="0" smtClean="0"/>
-              <a:t>busca </a:t>
-            </a:r>
-            <a:r>
-              <a:rPr lang="es-ES_tradnl" sz="1800" dirty="0" smtClean="0">
+              <a:t>será más fácil encontrar lo que se busca </a:t>
+            </a:r>
+            <a:r>
+              <a:rPr lang="es-ES_tradnl" sz="1800" dirty="0">
                 <a:sym typeface="Wingdings" panose="05000000000000000000" pitchFamily="2" charset="2"/>
               </a:rPr>
               <a:t>con</a:t>
             </a:r>
             <a:r>
-              <a:rPr lang="es-ES_tradnl" sz="1800" dirty="0" smtClean="0"/>
-              <a:t> </a:t>
-            </a:r>
-            <a:r>
               <a:rPr lang="es-ES_tradnl" sz="1800" dirty="0"/>
-              <a:t>los nervios propios de la </a:t>
-            </a:r>
-            <a:r>
-              <a:rPr lang="es-ES_tradnl" sz="1800" dirty="0" smtClean="0"/>
-              <a:t>exposición.</a:t>
+              <a:t> los nervios propios de la exposición.</a:t>
             </a:r>
           </a:p>
           <a:p>
@@ -6967,7 +6606,7 @@
           </a:p>
           <a:p>
             <a:pPr algn="just"/>
-            <a:endParaRPr lang="es-ES" sz="1800" dirty="0" smtClean="0"/>
+            <a:endParaRPr lang="es-ES" sz="1800" dirty="0"/>
           </a:p>
         </p:txBody>
       </p:sp>
@@ -6996,13 +6635,8 @@
             </a:pPr>
             <a:r>
               <a:rPr lang="es-ES" sz="4400" dirty="0"/>
-              <a:t>4</a:t>
-            </a:r>
-            <a:r>
-              <a:rPr lang="es-ES" sz="4400" dirty="0" smtClean="0"/>
-              <a:t>. Defensa</a:t>
-            </a:r>
-            <a:endParaRPr lang="es-ES" sz="4400" dirty="0"/>
+              <a:t>4. Defensa</a:t>
+            </a:r>
           </a:p>
         </p:txBody>
       </p:sp>
@@ -7016,13 +6650,6 @@
   <p:clrMapOvr>
     <a:masterClrMapping/>
   </p:clrMapOvr>
-  <p:timing>
-    <p:tnLst>
-      <p:par>
-        <p:cTn id="1" dur="indefinite" restart="never" nodeType="tmRoot"/>
-      </p:par>
-    </p:tnLst>
-  </p:timing>
 </p:sld>
 </file>
 
